--- a/ppt/join.pptx
+++ b/ppt/join.pptx
@@ -105,6 +105,22 @@
       </a:defRPr>
     </a:lvl9pPr>
   </p:defaultTextStyle>
+  <p:extLst>
+    <p:ext uri="{EFAFB233-063F-42B5-8137-9DF3F51BA10A}">
+      <p15:sldGuideLst xmlns:p15="http://schemas.microsoft.com/office/powerpoint/2012/main">
+        <p15:guide id="1" orient="horz" pos="2160">
+          <p15:clr>
+            <a:srgbClr val="A4A3A4"/>
+          </p15:clr>
+        </p15:guide>
+        <p15:guide id="2" pos="2880">
+          <p15:clr>
+            <a:srgbClr val="A4A3A4"/>
+          </p15:clr>
+        </p15:guide>
+      </p15:sldGuideLst>
+    </p:ext>
+  </p:extLst>
 </p:presentation>
 </file>
 
@@ -146,10 +162,9 @@
           <a:lstStyle/>
           <a:p>
             <a:r>
-              <a:rPr lang="ko-KR" altLang="en-US" smtClean="0"/>
+              <a:rPr lang="ko-KR" altLang="en-US"/>
               <a:t>마스터 제목 스타일 편집</a:t>
             </a:r>
-            <a:endParaRPr lang="ko-KR" altLang="en-US"/>
           </a:p>
         </p:txBody>
       </p:sp>
@@ -265,10 +280,9 @@
           </a:lstStyle>
           <a:p>
             <a:r>
-              <a:rPr lang="ko-KR" altLang="en-US" smtClean="0"/>
+              <a:rPr lang="ko-KR" altLang="en-US"/>
               <a:t>마스터 부제목 스타일 편집</a:t>
             </a:r>
-            <a:endParaRPr lang="ko-KR" altLang="en-US"/>
           </a:p>
         </p:txBody>
       </p:sp>
@@ -289,7 +303,7 @@
           <a:p>
             <a:fld id="{07EC02CE-CFE2-4F2E-B4D2-77A7E4DEC33C}" type="datetimeFigureOut">
               <a:rPr lang="ko-KR" altLang="en-US" smtClean="0"/>
-              <a:t>2020-10-19</a:t>
+              <a:t>2023-06-21</a:t>
             </a:fld>
             <a:endParaRPr lang="ko-KR" altLang="en-US"/>
           </a:p>
@@ -383,10 +397,9 @@
           <a:lstStyle/>
           <a:p>
             <a:r>
-              <a:rPr lang="ko-KR" altLang="en-US" smtClean="0"/>
+              <a:rPr lang="ko-KR" altLang="en-US"/>
               <a:t>마스터 제목 스타일 편집</a:t>
             </a:r>
-            <a:endParaRPr lang="ko-KR" altLang="en-US"/>
           </a:p>
         </p:txBody>
       </p:sp>
@@ -407,38 +420,37 @@
           <a:p>
             <a:pPr lvl="0"/>
             <a:r>
-              <a:rPr lang="ko-KR" altLang="en-US" smtClean="0"/>
+              <a:rPr lang="ko-KR" altLang="en-US"/>
               <a:t>마스터 텍스트 스타일을 편집합니다</a:t>
             </a:r>
           </a:p>
           <a:p>
             <a:pPr lvl="1"/>
             <a:r>
-              <a:rPr lang="ko-KR" altLang="en-US" smtClean="0"/>
+              <a:rPr lang="ko-KR" altLang="en-US"/>
               <a:t>둘째 수준</a:t>
             </a:r>
           </a:p>
           <a:p>
             <a:pPr lvl="2"/>
             <a:r>
-              <a:rPr lang="ko-KR" altLang="en-US" smtClean="0"/>
+              <a:rPr lang="ko-KR" altLang="en-US"/>
               <a:t>셋째 수준</a:t>
             </a:r>
           </a:p>
           <a:p>
             <a:pPr lvl="3"/>
             <a:r>
-              <a:rPr lang="ko-KR" altLang="en-US" smtClean="0"/>
+              <a:rPr lang="ko-KR" altLang="en-US"/>
               <a:t>넷째 수준</a:t>
             </a:r>
           </a:p>
           <a:p>
             <a:pPr lvl="4"/>
             <a:r>
-              <a:rPr lang="ko-KR" altLang="en-US" smtClean="0"/>
+              <a:rPr lang="ko-KR" altLang="en-US"/>
               <a:t>다섯째 수준</a:t>
             </a:r>
-            <a:endParaRPr lang="ko-KR" altLang="en-US"/>
           </a:p>
         </p:txBody>
       </p:sp>
@@ -459,7 +471,7 @@
           <a:p>
             <a:fld id="{07EC02CE-CFE2-4F2E-B4D2-77A7E4DEC33C}" type="datetimeFigureOut">
               <a:rPr lang="ko-KR" altLang="en-US" smtClean="0"/>
-              <a:t>2020-10-19</a:t>
+              <a:t>2023-06-21</a:t>
             </a:fld>
             <a:endParaRPr lang="ko-KR" altLang="en-US"/>
           </a:p>
@@ -558,10 +570,9 @@
           <a:lstStyle/>
           <a:p>
             <a:r>
-              <a:rPr lang="ko-KR" altLang="en-US" smtClean="0"/>
+              <a:rPr lang="ko-KR" altLang="en-US"/>
               <a:t>마스터 제목 스타일 편집</a:t>
             </a:r>
-            <a:endParaRPr lang="ko-KR" altLang="en-US"/>
           </a:p>
         </p:txBody>
       </p:sp>
@@ -587,38 +598,37 @@
           <a:p>
             <a:pPr lvl="0"/>
             <a:r>
-              <a:rPr lang="ko-KR" altLang="en-US" smtClean="0"/>
+              <a:rPr lang="ko-KR" altLang="en-US"/>
               <a:t>마스터 텍스트 스타일을 편집합니다</a:t>
             </a:r>
           </a:p>
           <a:p>
             <a:pPr lvl="1"/>
             <a:r>
-              <a:rPr lang="ko-KR" altLang="en-US" smtClean="0"/>
+              <a:rPr lang="ko-KR" altLang="en-US"/>
               <a:t>둘째 수준</a:t>
             </a:r>
           </a:p>
           <a:p>
             <a:pPr lvl="2"/>
             <a:r>
-              <a:rPr lang="ko-KR" altLang="en-US" smtClean="0"/>
+              <a:rPr lang="ko-KR" altLang="en-US"/>
               <a:t>셋째 수준</a:t>
             </a:r>
           </a:p>
           <a:p>
             <a:pPr lvl="3"/>
             <a:r>
-              <a:rPr lang="ko-KR" altLang="en-US" smtClean="0"/>
+              <a:rPr lang="ko-KR" altLang="en-US"/>
               <a:t>넷째 수준</a:t>
             </a:r>
           </a:p>
           <a:p>
             <a:pPr lvl="4"/>
             <a:r>
-              <a:rPr lang="ko-KR" altLang="en-US" smtClean="0"/>
+              <a:rPr lang="ko-KR" altLang="en-US"/>
               <a:t>다섯째 수준</a:t>
             </a:r>
-            <a:endParaRPr lang="ko-KR" altLang="en-US"/>
           </a:p>
         </p:txBody>
       </p:sp>
@@ -639,7 +649,7 @@
           <a:p>
             <a:fld id="{07EC02CE-CFE2-4F2E-B4D2-77A7E4DEC33C}" type="datetimeFigureOut">
               <a:rPr lang="ko-KR" altLang="en-US" smtClean="0"/>
-              <a:t>2020-10-19</a:t>
+              <a:t>2023-06-21</a:t>
             </a:fld>
             <a:endParaRPr lang="ko-KR" altLang="en-US"/>
           </a:p>
@@ -733,10 +743,9 @@
           <a:lstStyle/>
           <a:p>
             <a:r>
-              <a:rPr lang="ko-KR" altLang="en-US" smtClean="0"/>
+              <a:rPr lang="ko-KR" altLang="en-US"/>
               <a:t>마스터 제목 스타일 편집</a:t>
             </a:r>
-            <a:endParaRPr lang="ko-KR" altLang="en-US"/>
           </a:p>
         </p:txBody>
       </p:sp>
@@ -757,38 +766,37 @@
           <a:p>
             <a:pPr lvl="0"/>
             <a:r>
-              <a:rPr lang="ko-KR" altLang="en-US" smtClean="0"/>
+              <a:rPr lang="ko-KR" altLang="en-US"/>
               <a:t>마스터 텍스트 스타일을 편집합니다</a:t>
             </a:r>
           </a:p>
           <a:p>
             <a:pPr lvl="1"/>
             <a:r>
-              <a:rPr lang="ko-KR" altLang="en-US" smtClean="0"/>
+              <a:rPr lang="ko-KR" altLang="en-US"/>
               <a:t>둘째 수준</a:t>
             </a:r>
           </a:p>
           <a:p>
             <a:pPr lvl="2"/>
             <a:r>
-              <a:rPr lang="ko-KR" altLang="en-US" smtClean="0"/>
+              <a:rPr lang="ko-KR" altLang="en-US"/>
               <a:t>셋째 수준</a:t>
             </a:r>
           </a:p>
           <a:p>
             <a:pPr lvl="3"/>
             <a:r>
-              <a:rPr lang="ko-KR" altLang="en-US" smtClean="0"/>
+              <a:rPr lang="ko-KR" altLang="en-US"/>
               <a:t>넷째 수준</a:t>
             </a:r>
           </a:p>
           <a:p>
             <a:pPr lvl="4"/>
             <a:r>
-              <a:rPr lang="ko-KR" altLang="en-US" smtClean="0"/>
+              <a:rPr lang="ko-KR" altLang="en-US"/>
               <a:t>다섯째 수준</a:t>
             </a:r>
-            <a:endParaRPr lang="ko-KR" altLang="en-US"/>
           </a:p>
         </p:txBody>
       </p:sp>
@@ -809,7 +817,7 @@
           <a:p>
             <a:fld id="{07EC02CE-CFE2-4F2E-B4D2-77A7E4DEC33C}" type="datetimeFigureOut">
               <a:rPr lang="ko-KR" altLang="en-US" smtClean="0"/>
-              <a:t>2020-10-19</a:t>
+              <a:t>2023-06-21</a:t>
             </a:fld>
             <a:endParaRPr lang="ko-KR" altLang="en-US"/>
           </a:p>
@@ -912,10 +920,9 @@
           </a:lstStyle>
           <a:p>
             <a:r>
-              <a:rPr lang="ko-KR" altLang="en-US" smtClean="0"/>
+              <a:rPr lang="ko-KR" altLang="en-US"/>
               <a:t>마스터 제목 스타일 편집</a:t>
             </a:r>
-            <a:endParaRPr lang="ko-KR" altLang="en-US"/>
           </a:p>
         </p:txBody>
       </p:sp>
@@ -1032,7 +1039,7 @@
           <a:p>
             <a:pPr lvl="0"/>
             <a:r>
-              <a:rPr lang="ko-KR" altLang="en-US" smtClean="0"/>
+              <a:rPr lang="ko-KR" altLang="en-US"/>
               <a:t>마스터 텍스트 스타일을 편집합니다</a:t>
             </a:r>
           </a:p>
@@ -1055,7 +1062,7 @@
           <a:p>
             <a:fld id="{07EC02CE-CFE2-4F2E-B4D2-77A7E4DEC33C}" type="datetimeFigureOut">
               <a:rPr lang="ko-KR" altLang="en-US" smtClean="0"/>
-              <a:t>2020-10-19</a:t>
+              <a:t>2023-06-21</a:t>
             </a:fld>
             <a:endParaRPr lang="ko-KR" altLang="en-US"/>
           </a:p>
@@ -1149,10 +1156,9 @@
           <a:lstStyle/>
           <a:p>
             <a:r>
-              <a:rPr lang="ko-KR" altLang="en-US" smtClean="0"/>
+              <a:rPr lang="ko-KR" altLang="en-US"/>
               <a:t>마스터 제목 스타일 편집</a:t>
             </a:r>
-            <a:endParaRPr lang="ko-KR" altLang="en-US"/>
           </a:p>
         </p:txBody>
       </p:sp>
@@ -1206,38 +1212,37 @@
           <a:p>
             <a:pPr lvl="0"/>
             <a:r>
-              <a:rPr lang="ko-KR" altLang="en-US" smtClean="0"/>
+              <a:rPr lang="ko-KR" altLang="en-US"/>
               <a:t>마스터 텍스트 스타일을 편집합니다</a:t>
             </a:r>
           </a:p>
           <a:p>
             <a:pPr lvl="1"/>
             <a:r>
-              <a:rPr lang="ko-KR" altLang="en-US" smtClean="0"/>
+              <a:rPr lang="ko-KR" altLang="en-US"/>
               <a:t>둘째 수준</a:t>
             </a:r>
           </a:p>
           <a:p>
             <a:pPr lvl="2"/>
             <a:r>
-              <a:rPr lang="ko-KR" altLang="en-US" smtClean="0"/>
+              <a:rPr lang="ko-KR" altLang="en-US"/>
               <a:t>셋째 수준</a:t>
             </a:r>
           </a:p>
           <a:p>
             <a:pPr lvl="3"/>
             <a:r>
-              <a:rPr lang="ko-KR" altLang="en-US" smtClean="0"/>
+              <a:rPr lang="ko-KR" altLang="en-US"/>
               <a:t>넷째 수준</a:t>
             </a:r>
           </a:p>
           <a:p>
             <a:pPr lvl="4"/>
             <a:r>
-              <a:rPr lang="ko-KR" altLang="en-US" smtClean="0"/>
+              <a:rPr lang="ko-KR" altLang="en-US"/>
               <a:t>다섯째 수준</a:t>
             </a:r>
-            <a:endParaRPr lang="ko-KR" altLang="en-US"/>
           </a:p>
         </p:txBody>
       </p:sp>
@@ -1291,38 +1296,37 @@
           <a:p>
             <a:pPr lvl="0"/>
             <a:r>
-              <a:rPr lang="ko-KR" altLang="en-US" smtClean="0"/>
+              <a:rPr lang="ko-KR" altLang="en-US"/>
               <a:t>마스터 텍스트 스타일을 편집합니다</a:t>
             </a:r>
           </a:p>
           <a:p>
             <a:pPr lvl="1"/>
             <a:r>
-              <a:rPr lang="ko-KR" altLang="en-US" smtClean="0"/>
+              <a:rPr lang="ko-KR" altLang="en-US"/>
               <a:t>둘째 수준</a:t>
             </a:r>
           </a:p>
           <a:p>
             <a:pPr lvl="2"/>
             <a:r>
-              <a:rPr lang="ko-KR" altLang="en-US" smtClean="0"/>
+              <a:rPr lang="ko-KR" altLang="en-US"/>
               <a:t>셋째 수준</a:t>
             </a:r>
           </a:p>
           <a:p>
             <a:pPr lvl="3"/>
             <a:r>
-              <a:rPr lang="ko-KR" altLang="en-US" smtClean="0"/>
+              <a:rPr lang="ko-KR" altLang="en-US"/>
               <a:t>넷째 수준</a:t>
             </a:r>
           </a:p>
           <a:p>
             <a:pPr lvl="4"/>
             <a:r>
-              <a:rPr lang="ko-KR" altLang="en-US" smtClean="0"/>
+              <a:rPr lang="ko-KR" altLang="en-US"/>
               <a:t>다섯째 수준</a:t>
             </a:r>
-            <a:endParaRPr lang="ko-KR" altLang="en-US"/>
           </a:p>
         </p:txBody>
       </p:sp>
@@ -1343,7 +1347,7 @@
           <a:p>
             <a:fld id="{07EC02CE-CFE2-4F2E-B4D2-77A7E4DEC33C}" type="datetimeFigureOut">
               <a:rPr lang="ko-KR" altLang="en-US" smtClean="0"/>
-              <a:t>2020-10-19</a:t>
+              <a:t>2023-06-21</a:t>
             </a:fld>
             <a:endParaRPr lang="ko-KR" altLang="en-US"/>
           </a:p>
@@ -1441,10 +1445,9 @@
           </a:lstStyle>
           <a:p>
             <a:r>
-              <a:rPr lang="ko-KR" altLang="en-US" smtClean="0"/>
+              <a:rPr lang="ko-KR" altLang="en-US"/>
               <a:t>마스터 제목 스타일 편집</a:t>
             </a:r>
-            <a:endParaRPr lang="ko-KR" altLang="en-US"/>
           </a:p>
         </p:txBody>
       </p:sp>
@@ -1507,7 +1510,7 @@
           <a:p>
             <a:pPr lvl="0"/>
             <a:r>
-              <a:rPr lang="ko-KR" altLang="en-US" smtClean="0"/>
+              <a:rPr lang="ko-KR" altLang="en-US"/>
               <a:t>마스터 텍스트 스타일을 편집합니다</a:t>
             </a:r>
           </a:p>
@@ -1563,38 +1566,37 @@
           <a:p>
             <a:pPr lvl="0"/>
             <a:r>
-              <a:rPr lang="ko-KR" altLang="en-US" smtClean="0"/>
+              <a:rPr lang="ko-KR" altLang="en-US"/>
               <a:t>마스터 텍스트 스타일을 편집합니다</a:t>
             </a:r>
           </a:p>
           <a:p>
             <a:pPr lvl="1"/>
             <a:r>
-              <a:rPr lang="ko-KR" altLang="en-US" smtClean="0"/>
+              <a:rPr lang="ko-KR" altLang="en-US"/>
               <a:t>둘째 수준</a:t>
             </a:r>
           </a:p>
           <a:p>
             <a:pPr lvl="2"/>
             <a:r>
-              <a:rPr lang="ko-KR" altLang="en-US" smtClean="0"/>
+              <a:rPr lang="ko-KR" altLang="en-US"/>
               <a:t>셋째 수준</a:t>
             </a:r>
           </a:p>
           <a:p>
             <a:pPr lvl="3"/>
             <a:r>
-              <a:rPr lang="ko-KR" altLang="en-US" smtClean="0"/>
+              <a:rPr lang="ko-KR" altLang="en-US"/>
               <a:t>넷째 수준</a:t>
             </a:r>
           </a:p>
           <a:p>
             <a:pPr lvl="4"/>
             <a:r>
-              <a:rPr lang="ko-KR" altLang="en-US" smtClean="0"/>
+              <a:rPr lang="ko-KR" altLang="en-US"/>
               <a:t>다섯째 수준</a:t>
             </a:r>
-            <a:endParaRPr lang="ko-KR" altLang="en-US"/>
           </a:p>
         </p:txBody>
       </p:sp>
@@ -1657,7 +1659,7 @@
           <a:p>
             <a:pPr lvl="0"/>
             <a:r>
-              <a:rPr lang="ko-KR" altLang="en-US" smtClean="0"/>
+              <a:rPr lang="ko-KR" altLang="en-US"/>
               <a:t>마스터 텍스트 스타일을 편집합니다</a:t>
             </a:r>
           </a:p>
@@ -1713,38 +1715,37 @@
           <a:p>
             <a:pPr lvl="0"/>
             <a:r>
-              <a:rPr lang="ko-KR" altLang="en-US" smtClean="0"/>
+              <a:rPr lang="ko-KR" altLang="en-US"/>
               <a:t>마스터 텍스트 스타일을 편집합니다</a:t>
             </a:r>
           </a:p>
           <a:p>
             <a:pPr lvl="1"/>
             <a:r>
-              <a:rPr lang="ko-KR" altLang="en-US" smtClean="0"/>
+              <a:rPr lang="ko-KR" altLang="en-US"/>
               <a:t>둘째 수준</a:t>
             </a:r>
           </a:p>
           <a:p>
             <a:pPr lvl="2"/>
             <a:r>
-              <a:rPr lang="ko-KR" altLang="en-US" smtClean="0"/>
+              <a:rPr lang="ko-KR" altLang="en-US"/>
               <a:t>셋째 수준</a:t>
             </a:r>
           </a:p>
           <a:p>
             <a:pPr lvl="3"/>
             <a:r>
-              <a:rPr lang="ko-KR" altLang="en-US" smtClean="0"/>
+              <a:rPr lang="ko-KR" altLang="en-US"/>
               <a:t>넷째 수준</a:t>
             </a:r>
           </a:p>
           <a:p>
             <a:pPr lvl="4"/>
             <a:r>
-              <a:rPr lang="ko-KR" altLang="en-US" smtClean="0"/>
+              <a:rPr lang="ko-KR" altLang="en-US"/>
               <a:t>다섯째 수준</a:t>
             </a:r>
-            <a:endParaRPr lang="ko-KR" altLang="en-US"/>
           </a:p>
         </p:txBody>
       </p:sp>
@@ -1765,7 +1766,7 @@
           <a:p>
             <a:fld id="{07EC02CE-CFE2-4F2E-B4D2-77A7E4DEC33C}" type="datetimeFigureOut">
               <a:rPr lang="ko-KR" altLang="en-US" smtClean="0"/>
-              <a:t>2020-10-19</a:t>
+              <a:t>2023-06-21</a:t>
             </a:fld>
             <a:endParaRPr lang="ko-KR" altLang="en-US"/>
           </a:p>
@@ -1859,10 +1860,9 @@
           <a:lstStyle/>
           <a:p>
             <a:r>
-              <a:rPr lang="ko-KR" altLang="en-US" smtClean="0"/>
+              <a:rPr lang="ko-KR" altLang="en-US"/>
               <a:t>마스터 제목 스타일 편집</a:t>
             </a:r>
-            <a:endParaRPr lang="ko-KR" altLang="en-US"/>
           </a:p>
         </p:txBody>
       </p:sp>
@@ -1883,7 +1883,7 @@
           <a:p>
             <a:fld id="{07EC02CE-CFE2-4F2E-B4D2-77A7E4DEC33C}" type="datetimeFigureOut">
               <a:rPr lang="ko-KR" altLang="en-US" smtClean="0"/>
-              <a:t>2020-10-19</a:t>
+              <a:t>2023-06-21</a:t>
             </a:fld>
             <a:endParaRPr lang="ko-KR" altLang="en-US"/>
           </a:p>
@@ -1978,7 +1978,7 @@
           <a:p>
             <a:fld id="{07EC02CE-CFE2-4F2E-B4D2-77A7E4DEC33C}" type="datetimeFigureOut">
               <a:rPr lang="ko-KR" altLang="en-US" smtClean="0"/>
-              <a:t>2020-10-19</a:t>
+              <a:t>2023-06-21</a:t>
             </a:fld>
             <a:endParaRPr lang="ko-KR" altLang="en-US"/>
           </a:p>
@@ -2081,10 +2081,9 @@
           </a:lstStyle>
           <a:p>
             <a:r>
-              <a:rPr lang="ko-KR" altLang="en-US" smtClean="0"/>
+              <a:rPr lang="ko-KR" altLang="en-US"/>
               <a:t>마스터 제목 스타일 편집</a:t>
             </a:r>
-            <a:endParaRPr lang="ko-KR" altLang="en-US"/>
           </a:p>
         </p:txBody>
       </p:sp>
@@ -2138,38 +2137,37 @@
           <a:p>
             <a:pPr lvl="0"/>
             <a:r>
-              <a:rPr lang="ko-KR" altLang="en-US" smtClean="0"/>
+              <a:rPr lang="ko-KR" altLang="en-US"/>
               <a:t>마스터 텍스트 스타일을 편집합니다</a:t>
             </a:r>
           </a:p>
           <a:p>
             <a:pPr lvl="1"/>
             <a:r>
-              <a:rPr lang="ko-KR" altLang="en-US" smtClean="0"/>
+              <a:rPr lang="ko-KR" altLang="en-US"/>
               <a:t>둘째 수준</a:t>
             </a:r>
           </a:p>
           <a:p>
             <a:pPr lvl="2"/>
             <a:r>
-              <a:rPr lang="ko-KR" altLang="en-US" smtClean="0"/>
+              <a:rPr lang="ko-KR" altLang="en-US"/>
               <a:t>셋째 수준</a:t>
             </a:r>
           </a:p>
           <a:p>
             <a:pPr lvl="3"/>
             <a:r>
-              <a:rPr lang="ko-KR" altLang="en-US" smtClean="0"/>
+              <a:rPr lang="ko-KR" altLang="en-US"/>
               <a:t>넷째 수준</a:t>
             </a:r>
           </a:p>
           <a:p>
             <a:pPr lvl="4"/>
             <a:r>
-              <a:rPr lang="ko-KR" altLang="en-US" smtClean="0"/>
+              <a:rPr lang="ko-KR" altLang="en-US"/>
               <a:t>다섯째 수준</a:t>
             </a:r>
-            <a:endParaRPr lang="ko-KR" altLang="en-US"/>
           </a:p>
         </p:txBody>
       </p:sp>
@@ -2232,7 +2230,7 @@
           <a:p>
             <a:pPr lvl="0"/>
             <a:r>
-              <a:rPr lang="ko-KR" altLang="en-US" smtClean="0"/>
+              <a:rPr lang="ko-KR" altLang="en-US"/>
               <a:t>마스터 텍스트 스타일을 편집합니다</a:t>
             </a:r>
           </a:p>
@@ -2255,7 +2253,7 @@
           <a:p>
             <a:fld id="{07EC02CE-CFE2-4F2E-B4D2-77A7E4DEC33C}" type="datetimeFigureOut">
               <a:rPr lang="ko-KR" altLang="en-US" smtClean="0"/>
-              <a:t>2020-10-19</a:t>
+              <a:t>2023-06-21</a:t>
             </a:fld>
             <a:endParaRPr lang="ko-KR" altLang="en-US"/>
           </a:p>
@@ -2358,10 +2356,9 @@
           </a:lstStyle>
           <a:p>
             <a:r>
-              <a:rPr lang="ko-KR" altLang="en-US" smtClean="0"/>
+              <a:rPr lang="ko-KR" altLang="en-US"/>
               <a:t>마스터 제목 스타일 편집</a:t>
             </a:r>
-            <a:endParaRPr lang="ko-KR" altLang="en-US"/>
           </a:p>
         </p:txBody>
       </p:sp>
@@ -2485,7 +2482,7 @@
           <a:p>
             <a:pPr lvl="0"/>
             <a:r>
-              <a:rPr lang="ko-KR" altLang="en-US" smtClean="0"/>
+              <a:rPr lang="ko-KR" altLang="en-US"/>
               <a:t>마스터 텍스트 스타일을 편집합니다</a:t>
             </a:r>
           </a:p>
@@ -2508,7 +2505,7 @@
           <a:p>
             <a:fld id="{07EC02CE-CFE2-4F2E-B4D2-77A7E4DEC33C}" type="datetimeFigureOut">
               <a:rPr lang="ko-KR" altLang="en-US" smtClean="0"/>
-              <a:t>2020-10-19</a:t>
+              <a:t>2023-06-21</a:t>
             </a:fld>
             <a:endParaRPr lang="ko-KR" altLang="en-US"/>
           </a:p>
@@ -2617,10 +2614,9 @@
           <a:lstStyle/>
           <a:p>
             <a:r>
-              <a:rPr lang="ko-KR" altLang="en-US" smtClean="0"/>
+              <a:rPr lang="ko-KR" altLang="en-US"/>
               <a:t>마스터 제목 스타일 편집</a:t>
             </a:r>
-            <a:endParaRPr lang="ko-KR" altLang="en-US"/>
           </a:p>
         </p:txBody>
       </p:sp>
@@ -2651,38 +2647,37 @@
           <a:p>
             <a:pPr lvl="0"/>
             <a:r>
-              <a:rPr lang="ko-KR" altLang="en-US" smtClean="0"/>
+              <a:rPr lang="ko-KR" altLang="en-US"/>
               <a:t>마스터 텍스트 스타일을 편집합니다</a:t>
             </a:r>
           </a:p>
           <a:p>
             <a:pPr lvl="1"/>
             <a:r>
-              <a:rPr lang="ko-KR" altLang="en-US" smtClean="0"/>
+              <a:rPr lang="ko-KR" altLang="en-US"/>
               <a:t>둘째 수준</a:t>
             </a:r>
           </a:p>
           <a:p>
             <a:pPr lvl="2"/>
             <a:r>
-              <a:rPr lang="ko-KR" altLang="en-US" smtClean="0"/>
+              <a:rPr lang="ko-KR" altLang="en-US"/>
               <a:t>셋째 수준</a:t>
             </a:r>
           </a:p>
           <a:p>
             <a:pPr lvl="3"/>
             <a:r>
-              <a:rPr lang="ko-KR" altLang="en-US" smtClean="0"/>
+              <a:rPr lang="ko-KR" altLang="en-US"/>
               <a:t>넷째 수준</a:t>
             </a:r>
           </a:p>
           <a:p>
             <a:pPr lvl="4"/>
             <a:r>
-              <a:rPr lang="ko-KR" altLang="en-US" smtClean="0"/>
+              <a:rPr lang="ko-KR" altLang="en-US"/>
               <a:t>다섯째 수준</a:t>
             </a:r>
-            <a:endParaRPr lang="ko-KR" altLang="en-US"/>
           </a:p>
         </p:txBody>
       </p:sp>
@@ -2721,7 +2716,7 @@
           <a:p>
             <a:fld id="{07EC02CE-CFE2-4F2E-B4D2-77A7E4DEC33C}" type="datetimeFigureOut">
               <a:rPr lang="ko-KR" altLang="en-US" smtClean="0"/>
-              <a:t>2020-10-19</a:t>
+              <a:t>2023-06-21</a:t>
             </a:fld>
             <a:endParaRPr lang="ko-KR" altLang="en-US"/>
           </a:p>
@@ -3112,7 +3107,7 @@
           <a:lstStyle/>
           <a:p>
             <a:r>
-              <a:rPr lang="en-US" altLang="ko-KR" dirty="0" smtClean="0"/>
+              <a:rPr lang="en-US" altLang="ko-KR" dirty="0"/>
               <a:t>join</a:t>
             </a:r>
             <a:endParaRPr lang="ko-KR" altLang="en-US" dirty="0"/>
@@ -3142,8 +3137,8 @@
         </p:blipFill>
         <p:spPr bwMode="auto">
           <a:xfrm>
-            <a:off x="2051720" y="1700808"/>
-            <a:ext cx="5125992" cy="4032448"/>
+            <a:off x="1151620" y="1340768"/>
+            <a:ext cx="6840760" cy="5381399"/>
           </a:xfrm>
           <a:prstGeom prst="rect">
             <a:avLst/>
@@ -3206,7 +3201,7 @@
           <a:lstStyle/>
           <a:p>
             <a:r>
-              <a:rPr lang="en-US" altLang="ko-KR" dirty="0" smtClean="0"/>
+              <a:rPr lang="en-US" altLang="ko-KR" dirty="0"/>
               <a:t>join</a:t>
             </a:r>
             <a:endParaRPr lang="ko-KR" altLang="en-US" dirty="0"/>
